--- a/fig/arch.pptx
+++ b/fig/arch.pptx
@@ -243,7 +243,7 @@
           <a:p>
             <a:fld id="{136A6F26-79F6-4046-BD48-10C6B47424A3}" type="datetimeFigureOut">
               <a:rPr lang="zh-CN" altLang="en-US" smtClean="0"/>
-              <a:t>2017/7/14</a:t>
+              <a:t>2017/12/21</a:t>
             </a:fld>
             <a:endParaRPr lang="zh-CN" altLang="en-US"/>
           </a:p>
@@ -413,7 +413,7 @@
           <a:p>
             <a:fld id="{136A6F26-79F6-4046-BD48-10C6B47424A3}" type="datetimeFigureOut">
               <a:rPr lang="zh-CN" altLang="en-US" smtClean="0"/>
-              <a:t>2017/7/14</a:t>
+              <a:t>2017/12/21</a:t>
             </a:fld>
             <a:endParaRPr lang="zh-CN" altLang="en-US"/>
           </a:p>
@@ -593,7 +593,7 @@
           <a:p>
             <a:fld id="{136A6F26-79F6-4046-BD48-10C6B47424A3}" type="datetimeFigureOut">
               <a:rPr lang="zh-CN" altLang="en-US" smtClean="0"/>
-              <a:t>2017/7/14</a:t>
+              <a:t>2017/12/21</a:t>
             </a:fld>
             <a:endParaRPr lang="zh-CN" altLang="en-US"/>
           </a:p>
@@ -763,7 +763,7 @@
           <a:p>
             <a:fld id="{136A6F26-79F6-4046-BD48-10C6B47424A3}" type="datetimeFigureOut">
               <a:rPr lang="zh-CN" altLang="en-US" smtClean="0"/>
-              <a:t>2017/7/14</a:t>
+              <a:t>2017/12/21</a:t>
             </a:fld>
             <a:endParaRPr lang="zh-CN" altLang="en-US"/>
           </a:p>
@@ -1007,7 +1007,7 @@
           <a:p>
             <a:fld id="{136A6F26-79F6-4046-BD48-10C6B47424A3}" type="datetimeFigureOut">
               <a:rPr lang="zh-CN" altLang="en-US" smtClean="0"/>
-              <a:t>2017/7/14</a:t>
+              <a:t>2017/12/21</a:t>
             </a:fld>
             <a:endParaRPr lang="zh-CN" altLang="en-US"/>
           </a:p>
@@ -1239,7 +1239,7 @@
           <a:p>
             <a:fld id="{136A6F26-79F6-4046-BD48-10C6B47424A3}" type="datetimeFigureOut">
               <a:rPr lang="zh-CN" altLang="en-US" smtClean="0"/>
-              <a:t>2017/7/14</a:t>
+              <a:t>2017/12/21</a:t>
             </a:fld>
             <a:endParaRPr lang="zh-CN" altLang="en-US"/>
           </a:p>
@@ -1606,7 +1606,7 @@
           <a:p>
             <a:fld id="{136A6F26-79F6-4046-BD48-10C6B47424A3}" type="datetimeFigureOut">
               <a:rPr lang="zh-CN" altLang="en-US" smtClean="0"/>
-              <a:t>2017/7/14</a:t>
+              <a:t>2017/12/21</a:t>
             </a:fld>
             <a:endParaRPr lang="zh-CN" altLang="en-US"/>
           </a:p>
@@ -1724,7 +1724,7 @@
           <a:p>
             <a:fld id="{136A6F26-79F6-4046-BD48-10C6B47424A3}" type="datetimeFigureOut">
               <a:rPr lang="zh-CN" altLang="en-US" smtClean="0"/>
-              <a:t>2017/7/14</a:t>
+              <a:t>2017/12/21</a:t>
             </a:fld>
             <a:endParaRPr lang="zh-CN" altLang="en-US"/>
           </a:p>
@@ -1819,7 +1819,7 @@
           <a:p>
             <a:fld id="{136A6F26-79F6-4046-BD48-10C6B47424A3}" type="datetimeFigureOut">
               <a:rPr lang="zh-CN" altLang="en-US" smtClean="0"/>
-              <a:t>2017/7/14</a:t>
+              <a:t>2017/12/21</a:t>
             </a:fld>
             <a:endParaRPr lang="zh-CN" altLang="en-US"/>
           </a:p>
@@ -2096,7 +2096,7 @@
           <a:p>
             <a:fld id="{136A6F26-79F6-4046-BD48-10C6B47424A3}" type="datetimeFigureOut">
               <a:rPr lang="zh-CN" altLang="en-US" smtClean="0"/>
-              <a:t>2017/7/14</a:t>
+              <a:t>2017/12/21</a:t>
             </a:fld>
             <a:endParaRPr lang="zh-CN" altLang="en-US"/>
           </a:p>
@@ -2353,7 +2353,7 @@
           <a:p>
             <a:fld id="{136A6F26-79F6-4046-BD48-10C6B47424A3}" type="datetimeFigureOut">
               <a:rPr lang="zh-CN" altLang="en-US" smtClean="0"/>
-              <a:t>2017/7/14</a:t>
+              <a:t>2017/12/21</a:t>
             </a:fld>
             <a:endParaRPr lang="zh-CN" altLang="en-US"/>
           </a:p>
@@ -2566,7 +2566,7 @@
           <a:p>
             <a:fld id="{136A6F26-79F6-4046-BD48-10C6B47424A3}" type="datetimeFigureOut">
               <a:rPr lang="zh-CN" altLang="en-US" smtClean="0"/>
-              <a:t>2017/7/14</a:t>
+              <a:t>2017/12/21</a:t>
             </a:fld>
             <a:endParaRPr lang="zh-CN" altLang="en-US"/>
           </a:p>
@@ -2979,7 +2979,7 @@
         </p:nvSpPr>
         <p:spPr>
           <a:xfrm>
-            <a:off x="2488877" y="4551883"/>
+            <a:off x="2488877" y="6859973"/>
             <a:ext cx="209497" cy="249360"/>
           </a:xfrm>
           <a:prstGeom prst="rect">
@@ -3027,7 +3027,7 @@
         </p:nvSpPr>
         <p:spPr>
           <a:xfrm>
-            <a:off x="2703563" y="4553210"/>
+            <a:off x="2703563" y="6861300"/>
             <a:ext cx="209497" cy="249360"/>
           </a:xfrm>
           <a:prstGeom prst="rect">
@@ -3075,7 +3075,7 @@
         </p:nvSpPr>
         <p:spPr>
           <a:xfrm>
-            <a:off x="2274192" y="4554303"/>
+            <a:off x="2274192" y="6862393"/>
             <a:ext cx="209497" cy="249360"/>
           </a:xfrm>
           <a:prstGeom prst="rect">
@@ -3123,7 +3123,7 @@
         </p:nvSpPr>
         <p:spPr>
           <a:xfrm>
-            <a:off x="1451574" y="4552863"/>
+            <a:off x="1451574" y="6860953"/>
             <a:ext cx="209497" cy="249360"/>
           </a:xfrm>
           <a:prstGeom prst="rect">
@@ -3171,7 +3171,7 @@
         </p:nvSpPr>
         <p:spPr>
           <a:xfrm rot="5400000">
-            <a:off x="2185741" y="3818104"/>
+            <a:off x="2185741" y="6126194"/>
             <a:ext cx="1234443" cy="219447"/>
           </a:xfrm>
           <a:prstGeom prst="rect">
@@ -3219,7 +3219,7 @@
         </p:nvGrpSpPr>
         <p:grpSpPr>
           <a:xfrm>
-            <a:off x="3896427" y="3164494"/>
+            <a:off x="3896427" y="5472584"/>
             <a:ext cx="2108513" cy="1267769"/>
             <a:chOff x="3652416" y="3953712"/>
             <a:chExt cx="2108513" cy="1267769"/>
@@ -3600,7 +3600,7 @@
         </p:nvSpPr>
         <p:spPr>
           <a:xfrm>
-            <a:off x="3785196" y="5247755"/>
+            <a:off x="3785196" y="3288619"/>
             <a:ext cx="1926654" cy="1699349"/>
           </a:xfrm>
           <a:prstGeom prst="rect">
@@ -3698,11 +3698,11 @@
                 </a:spcAft>
               </a:pPr>
               <a:r>
-                <a:rPr lang="en-US" altLang="zh-CN" sz="1400" dirty="0">
+                <a:rPr lang="en-US" altLang="zh-CN" sz="1200" dirty="0" smtClean="0">
                   <a:latin typeface="Times New Roman" panose="02020603050405020304" pitchFamily="18" charset="0"/>
                   <a:cs typeface="Times New Roman" panose="02020603050405020304" pitchFamily="18" charset="0"/>
                 </a:rPr>
-                <a:t>Input</a:t>
+                <a:t>SRAM </a:t>
               </a:r>
             </a:p>
             <a:p>
@@ -3715,13 +3715,34 @@
                 </a:spcAft>
               </a:pPr>
               <a:r>
-                <a:rPr lang="en-US" altLang="zh-CN" sz="1400" dirty="0">
+                <a:rPr lang="en-US" altLang="zh-CN" sz="1200" dirty="0" smtClean="0">
+                  <a:latin typeface="Times New Roman" panose="02020603050405020304" pitchFamily="18" charset="0"/>
+                  <a:cs typeface="Times New Roman" panose="02020603050405020304" pitchFamily="18" charset="0"/>
+                </a:rPr>
+                <a:t>Input</a:t>
+              </a:r>
+              <a:endParaRPr lang="en-US" altLang="zh-CN" sz="1200" dirty="0">
+                <a:latin typeface="Times New Roman" panose="02020603050405020304" pitchFamily="18" charset="0"/>
+                <a:cs typeface="Times New Roman" panose="02020603050405020304" pitchFamily="18" charset="0"/>
+              </a:endParaRPr>
+            </a:p>
+            <a:p>
+              <a:pPr algn="ctr" defTabSz="514350" eaLnBrk="0" fontAlgn="base" hangingPunct="0">
+                <a:spcBef>
+                  <a:spcPct val="0"/>
+                </a:spcBef>
+                <a:spcAft>
+                  <a:spcPct val="0"/>
+                </a:spcAft>
+              </a:pPr>
+              <a:r>
+                <a:rPr lang="en-US" altLang="zh-CN" sz="1200" dirty="0">
                   <a:latin typeface="Times New Roman" panose="02020603050405020304" pitchFamily="18" charset="0"/>
                   <a:cs typeface="Times New Roman" panose="02020603050405020304" pitchFamily="18" charset="0"/>
                 </a:rPr>
                 <a:t>Buffer</a:t>
               </a:r>
-              <a:endParaRPr lang="zh-CN" altLang="en-US" sz="1400" dirty="0">
+              <a:endParaRPr lang="zh-CN" altLang="en-US" sz="1200" dirty="0">
                 <a:latin typeface="Times New Roman" panose="02020603050405020304" pitchFamily="18" charset="0"/>
                 <a:cs typeface="Times New Roman" panose="02020603050405020304" pitchFamily="18" charset="0"/>
               </a:endParaRPr>
@@ -3773,12 +3794,16 @@
                 </a:spcAft>
               </a:pPr>
               <a:r>
-                <a:rPr lang="en-US" altLang="zh-CN" sz="1400" dirty="0">
+                <a:rPr lang="en-US" altLang="zh-CN" sz="1200" dirty="0" smtClean="0">
                   <a:latin typeface="Times New Roman" panose="02020603050405020304" pitchFamily="18" charset="0"/>
                   <a:cs typeface="Times New Roman" panose="02020603050405020304" pitchFamily="18" charset="0"/>
                 </a:rPr>
-                <a:t>Weight</a:t>
+                <a:t>RRAM Weight</a:t>
               </a:r>
+              <a:endParaRPr lang="en-US" altLang="zh-CN" sz="1200" dirty="0">
+                <a:latin typeface="Times New Roman" panose="02020603050405020304" pitchFamily="18" charset="0"/>
+                <a:cs typeface="Times New Roman" panose="02020603050405020304" pitchFamily="18" charset="0"/>
+              </a:endParaRPr>
             </a:p>
             <a:p>
               <a:pPr algn="ctr" defTabSz="514350" eaLnBrk="0" fontAlgn="base" hangingPunct="0">
@@ -3790,13 +3815,13 @@
                 </a:spcAft>
               </a:pPr>
               <a:r>
-                <a:rPr lang="en-US" altLang="zh-CN" sz="1400" dirty="0">
+                <a:rPr lang="en-US" altLang="zh-CN" sz="1200" dirty="0">
                   <a:latin typeface="Times New Roman" panose="02020603050405020304" pitchFamily="18" charset="0"/>
                   <a:cs typeface="Times New Roman" panose="02020603050405020304" pitchFamily="18" charset="0"/>
                 </a:rPr>
                 <a:t>Buffer</a:t>
               </a:r>
-              <a:endParaRPr lang="zh-CN" altLang="en-US" sz="1400" dirty="0">
+              <a:endParaRPr lang="zh-CN" altLang="en-US" sz="1200" dirty="0">
                 <a:latin typeface="Times New Roman" panose="02020603050405020304" pitchFamily="18" charset="0"/>
                 <a:cs typeface="Times New Roman" panose="02020603050405020304" pitchFamily="18" charset="0"/>
               </a:endParaRPr>
@@ -3848,12 +3873,23 @@
                 </a:spcAft>
               </a:pPr>
               <a:r>
-                <a:rPr lang="en-US" altLang="zh-CN" sz="1400" dirty="0">
+                <a:rPr lang="en-US" altLang="zh-CN" sz="1200" dirty="0" smtClean="0">
+                  <a:latin typeface="Times New Roman" panose="02020603050405020304" pitchFamily="18" charset="0"/>
+                  <a:cs typeface="Times New Roman" panose="02020603050405020304" pitchFamily="18" charset="0"/>
+                </a:rPr>
+                <a:t>SRAM </a:t>
+              </a:r>
+              <a:r>
+                <a:rPr lang="en-US" altLang="zh-CN" sz="1200" dirty="0" smtClean="0">
                   <a:latin typeface="Times New Roman" panose="02020603050405020304" pitchFamily="18" charset="0"/>
                   <a:cs typeface="Times New Roman" panose="02020603050405020304" pitchFamily="18" charset="0"/>
                 </a:rPr>
                 <a:t>Output</a:t>
               </a:r>
+              <a:endParaRPr lang="en-US" altLang="zh-CN" sz="1200" dirty="0">
+                <a:latin typeface="Times New Roman" panose="02020603050405020304" pitchFamily="18" charset="0"/>
+                <a:cs typeface="Times New Roman" panose="02020603050405020304" pitchFamily="18" charset="0"/>
+              </a:endParaRPr>
             </a:p>
             <a:p>
               <a:pPr algn="ctr" defTabSz="514350" eaLnBrk="0" fontAlgn="base" hangingPunct="0">
@@ -3865,13 +3901,13 @@
                 </a:spcAft>
               </a:pPr>
               <a:r>
-                <a:rPr lang="en-US" altLang="zh-CN" sz="1400" dirty="0">
+                <a:rPr lang="en-US" altLang="zh-CN" sz="1200" dirty="0">
                   <a:latin typeface="Times New Roman" panose="02020603050405020304" pitchFamily="18" charset="0"/>
                   <a:cs typeface="Times New Roman" panose="02020603050405020304" pitchFamily="18" charset="0"/>
                 </a:rPr>
                 <a:t>Buffer</a:t>
               </a:r>
-              <a:endParaRPr lang="zh-CN" altLang="en-US" sz="1400" dirty="0">
+              <a:endParaRPr lang="zh-CN" altLang="en-US" sz="1200" dirty="0">
                 <a:latin typeface="Times New Roman" panose="02020603050405020304" pitchFamily="18" charset="0"/>
                 <a:cs typeface="Times New Roman" panose="02020603050405020304" pitchFamily="18" charset="0"/>
               </a:endParaRPr>
@@ -4568,7 +4604,7 @@
         </p:nvSpPr>
         <p:spPr>
           <a:xfrm>
-            <a:off x="1509415" y="5248618"/>
+            <a:off x="1509415" y="3289482"/>
             <a:ext cx="1744023" cy="1693697"/>
           </a:xfrm>
           <a:prstGeom prst="rect">
@@ -4620,7 +4656,7 @@
         </p:nvSpPr>
         <p:spPr>
           <a:xfrm>
-            <a:off x="1618306" y="5347105"/>
+            <a:off x="1618306" y="3387969"/>
             <a:ext cx="210464" cy="210464"/>
           </a:xfrm>
           <a:prstGeom prst="rect">
@@ -4668,7 +4704,7 @@
         </p:nvSpPr>
         <p:spPr>
           <a:xfrm>
-            <a:off x="1899894" y="5347105"/>
+            <a:off x="1899894" y="3387969"/>
             <a:ext cx="210464" cy="210464"/>
           </a:xfrm>
           <a:prstGeom prst="rect">
@@ -4716,7 +4752,7 @@
         </p:nvSpPr>
         <p:spPr>
           <a:xfrm>
-            <a:off x="1618863" y="5626953"/>
+            <a:off x="1618863" y="3667817"/>
             <a:ext cx="210464" cy="210464"/>
           </a:xfrm>
           <a:prstGeom prst="rect">
@@ -4764,7 +4800,7 @@
         </p:nvSpPr>
         <p:spPr>
           <a:xfrm>
-            <a:off x="2940402" y="5347105"/>
+            <a:off x="2940402" y="3387969"/>
             <a:ext cx="210464" cy="210464"/>
           </a:xfrm>
           <a:prstGeom prst="rect">
@@ -4812,7 +4848,7 @@
         </p:nvSpPr>
         <p:spPr>
           <a:xfrm>
-            <a:off x="1618306" y="6611862"/>
+            <a:off x="1618306" y="4652726"/>
             <a:ext cx="210464" cy="210464"/>
           </a:xfrm>
           <a:prstGeom prst="rect">
@@ -4860,7 +4896,7 @@
         </p:nvSpPr>
         <p:spPr>
           <a:xfrm>
-            <a:off x="2940402" y="6609612"/>
+            <a:off x="2940402" y="4650476"/>
             <a:ext cx="210464" cy="210464"/>
           </a:xfrm>
           <a:prstGeom prst="rect">
@@ -4908,7 +4944,7 @@
         </p:nvSpPr>
         <p:spPr>
           <a:xfrm>
-            <a:off x="1899894" y="5626953"/>
+            <a:off x="1899894" y="3667817"/>
             <a:ext cx="210464" cy="210464"/>
           </a:xfrm>
           <a:prstGeom prst="rect">
@@ -4956,7 +4992,7 @@
         </p:nvSpPr>
         <p:spPr>
           <a:xfrm>
-            <a:off x="2274349" y="5242966"/>
+            <a:off x="2274349" y="3283830"/>
             <a:ext cx="502061" cy="307777"/>
           </a:xfrm>
           <a:prstGeom prst="rect">
@@ -4986,7 +5022,7 @@
         </p:nvSpPr>
         <p:spPr>
           <a:xfrm>
-            <a:off x="2231185" y="6527109"/>
+            <a:off x="2231185" y="4567973"/>
             <a:ext cx="502061" cy="307777"/>
           </a:xfrm>
           <a:prstGeom prst="rect">
@@ -5016,7 +5052,7 @@
         </p:nvSpPr>
         <p:spPr>
           <a:xfrm rot="5400000">
-            <a:off x="1551941" y="6036056"/>
+            <a:off x="1551941" y="4076920"/>
             <a:ext cx="502061" cy="307777"/>
           </a:xfrm>
           <a:prstGeom prst="rect">
@@ -5046,7 +5082,7 @@
         </p:nvSpPr>
         <p:spPr>
           <a:xfrm rot="5400000">
-            <a:off x="2857405" y="6032327"/>
+            <a:off x="2857405" y="4073191"/>
             <a:ext cx="502061" cy="307777"/>
           </a:xfrm>
           <a:prstGeom prst="rect">
@@ -5076,7 +5112,7 @@
         </p:nvSpPr>
         <p:spPr>
           <a:xfrm flipH="1">
-            <a:off x="1198801" y="5956965"/>
+            <a:off x="1198801" y="3997829"/>
             <a:ext cx="349998" cy="307777"/>
           </a:xfrm>
           <a:prstGeom prst="rect">
@@ -5112,7 +5148,7 @@
         </p:nvSpPr>
         <p:spPr>
           <a:xfrm flipH="1">
-            <a:off x="2206427" y="6942315"/>
+            <a:off x="2206427" y="4983179"/>
             <a:ext cx="349998" cy="307777"/>
           </a:xfrm>
           <a:prstGeom prst="rect">
@@ -5148,7 +5184,7 @@
         </p:nvSpPr>
         <p:spPr>
           <a:xfrm>
-            <a:off x="3924864" y="5378626"/>
+            <a:off x="3924864" y="3419490"/>
             <a:ext cx="265193" cy="265193"/>
           </a:xfrm>
           <a:prstGeom prst="ellipse">
@@ -5210,7 +5246,7 @@
         </p:nvSpPr>
         <p:spPr>
           <a:xfrm>
-            <a:off x="3924863" y="6586404"/>
+            <a:off x="3924863" y="4627268"/>
             <a:ext cx="265193" cy="265193"/>
           </a:xfrm>
           <a:prstGeom prst="ellipse">
@@ -5272,7 +5308,7 @@
         </p:nvSpPr>
         <p:spPr>
           <a:xfrm rot="5400000">
-            <a:off x="3811817" y="5881860"/>
+            <a:off x="3811817" y="3922724"/>
             <a:ext cx="1533509" cy="405966"/>
           </a:xfrm>
           <a:prstGeom prst="rect">
@@ -5336,7 +5372,7 @@
         </p:nvSpPr>
         <p:spPr>
           <a:xfrm>
-            <a:off x="4985731" y="5956206"/>
+            <a:off x="4985731" y="3997070"/>
             <a:ext cx="265193" cy="265193"/>
           </a:xfrm>
           <a:prstGeom prst="ellipse">
@@ -5400,7 +5436,7 @@
         </p:nvCxnSpPr>
         <p:spPr>
           <a:xfrm flipV="1">
-            <a:off x="4190057" y="5511222"/>
+            <a:off x="4190057" y="3552086"/>
             <a:ext cx="185531" cy="1"/>
           </a:xfrm>
           <a:prstGeom prst="straightConnector1">
@@ -5436,7 +5472,7 @@
         </p:nvCxnSpPr>
         <p:spPr>
           <a:xfrm flipV="1">
-            <a:off x="4190056" y="6709800"/>
+            <a:off x="4190056" y="4750664"/>
             <a:ext cx="185531" cy="1"/>
           </a:xfrm>
           <a:prstGeom prst="straightConnector1">
@@ -5475,7 +5511,7 @@
         </p:nvCxnSpPr>
         <p:spPr>
           <a:xfrm>
-            <a:off x="4781555" y="6084844"/>
+            <a:off x="4781555" y="4125708"/>
             <a:ext cx="204176" cy="3959"/>
           </a:xfrm>
           <a:prstGeom prst="straightConnector1">
@@ -5511,7 +5547,7 @@
         </p:nvCxnSpPr>
         <p:spPr>
           <a:xfrm>
-            <a:off x="5259136" y="6099761"/>
+            <a:off x="5259136" y="4140625"/>
             <a:ext cx="718578" cy="0"/>
           </a:xfrm>
           <a:prstGeom prst="straightConnector1">
@@ -5549,7 +5585,7 @@
         </p:nvCxnSpPr>
         <p:spPr>
           <a:xfrm>
-            <a:off x="5118328" y="5504310"/>
+            <a:off x="5118328" y="3545174"/>
             <a:ext cx="0" cy="451896"/>
           </a:xfrm>
           <a:prstGeom prst="straightConnector1">
@@ -5585,7 +5621,7 @@
         </p:nvCxnSpPr>
         <p:spPr>
           <a:xfrm>
-            <a:off x="5118327" y="5513835"/>
+            <a:off x="5118327" y="3554699"/>
             <a:ext cx="287059" cy="0"/>
           </a:xfrm>
           <a:prstGeom prst="line">
@@ -5622,7 +5658,7 @@
         </p:nvCxnSpPr>
         <p:spPr>
           <a:xfrm>
-            <a:off x="5455102" y="5943540"/>
+            <a:off x="5455102" y="3984404"/>
             <a:ext cx="0" cy="156221"/>
           </a:xfrm>
           <a:prstGeom prst="line">
@@ -5657,7 +5693,7 @@
         </p:nvCxnSpPr>
         <p:spPr>
           <a:xfrm>
-            <a:off x="3650559" y="5510728"/>
+            <a:off x="3650559" y="3551592"/>
             <a:ext cx="284888" cy="0"/>
           </a:xfrm>
           <a:prstGeom prst="straightConnector1">
@@ -5688,14 +5724,12 @@
       <p:cxnSp>
         <p:nvCxnSpPr>
           <p:cNvPr id="69" name="直接箭头连接符 68"/>
-          <p:cNvCxnSpPr>
-            <a:endCxn id="41" idx="0"/>
-          </p:cNvCxnSpPr>
+          <p:cNvCxnSpPr/>
           <p:nvPr/>
         </p:nvCxnSpPr>
         <p:spPr>
           <a:xfrm>
-            <a:off x="4057459" y="5115940"/>
+            <a:off x="4057459" y="3156804"/>
             <a:ext cx="2" cy="262686"/>
           </a:xfrm>
           <a:prstGeom prst="straightConnector1">
@@ -5731,7 +5765,7 @@
         </p:nvSpPr>
         <p:spPr>
           <a:xfrm>
-            <a:off x="3353572" y="5353874"/>
+            <a:off x="3353572" y="3394738"/>
             <a:ext cx="360996" cy="307777"/>
           </a:xfrm>
           <a:prstGeom prst="rect">
@@ -5774,7 +5808,7 @@
         </p:nvSpPr>
         <p:spPr>
           <a:xfrm>
-            <a:off x="3861732" y="4844062"/>
+            <a:off x="3861732" y="2884926"/>
             <a:ext cx="380232" cy="307777"/>
           </a:xfrm>
           <a:prstGeom prst="rect">
@@ -5817,7 +5851,7 @@
         </p:nvCxnSpPr>
         <p:spPr>
           <a:xfrm flipV="1">
-            <a:off x="3154669" y="5243430"/>
+            <a:off x="3154669" y="3284294"/>
             <a:ext cx="629271" cy="103675"/>
           </a:xfrm>
           <a:prstGeom prst="line">
@@ -5853,7 +5887,7 @@
         </p:nvCxnSpPr>
         <p:spPr>
           <a:xfrm>
-            <a:off x="3152220" y="5557569"/>
+            <a:off x="3152220" y="3598433"/>
             <a:ext cx="631720" cy="1384746"/>
           </a:xfrm>
           <a:prstGeom prst="line">
@@ -5889,7 +5923,7 @@
         </p:nvSpPr>
         <p:spPr>
           <a:xfrm flipH="1">
-            <a:off x="3757624" y="5943540"/>
+            <a:off x="3757624" y="3984404"/>
             <a:ext cx="349998" cy="307777"/>
           </a:xfrm>
           <a:prstGeom prst="rect">
@@ -5925,7 +5959,7 @@
         </p:nvSpPr>
         <p:spPr>
           <a:xfrm rot="5400000">
-            <a:off x="3836555" y="5987147"/>
+            <a:off x="3836555" y="4028011"/>
             <a:ext cx="502061" cy="307777"/>
           </a:xfrm>
           <a:prstGeom prst="rect">
@@ -5991,7 +6025,7 @@
         </p:nvSpPr>
         <p:spPr>
           <a:xfrm>
-            <a:off x="679719" y="5945462"/>
+            <a:off x="679719" y="3986326"/>
             <a:ext cx="407292" cy="307777"/>
           </a:xfrm>
           <a:prstGeom prst="rect">
@@ -6010,7 +6044,7 @@
                 <a:latin typeface="Times New Roman" panose="02020603050405020304" pitchFamily="18" charset="0"/>
                 <a:cs typeface="Times New Roman" panose="02020603050405020304" pitchFamily="18" charset="0"/>
               </a:rPr>
-              <a:t>(c)</a:t>
+              <a:t>(b)</a:t>
             </a:r>
             <a:endParaRPr lang="zh-CN" altLang="en-US" sz="1400" dirty="0">
               <a:latin typeface="Times New Roman" panose="02020603050405020304" pitchFamily="18" charset="0"/>
@@ -6027,7 +6061,7 @@
         </p:nvSpPr>
         <p:spPr>
           <a:xfrm>
-            <a:off x="5349869" y="5410885"/>
+            <a:off x="5349869" y="3451749"/>
             <a:ext cx="210465" cy="532655"/>
           </a:xfrm>
           <a:prstGeom prst="rect">
@@ -6091,7 +6125,7 @@
         </p:nvSpPr>
         <p:spPr>
           <a:xfrm>
-            <a:off x="683672" y="3739831"/>
+            <a:off x="683672" y="6047921"/>
             <a:ext cx="407292" cy="307777"/>
           </a:xfrm>
           <a:prstGeom prst="rect">
@@ -6110,7 +6144,7 @@
                 <a:latin typeface="Times New Roman" panose="02020603050405020304" pitchFamily="18" charset="0"/>
                 <a:cs typeface="Times New Roman" panose="02020603050405020304" pitchFamily="18" charset="0"/>
               </a:rPr>
-              <a:t>(b)</a:t>
+              <a:t>(c)</a:t>
             </a:r>
             <a:endParaRPr lang="zh-CN" altLang="en-US" sz="1400" dirty="0">
               <a:latin typeface="Times New Roman" panose="02020603050405020304" pitchFamily="18" charset="0"/>
@@ -6127,7 +6161,7 @@
         </p:nvGrpSpPr>
         <p:grpSpPr>
           <a:xfrm>
-            <a:off x="3642361" y="3464851"/>
+            <a:off x="3642361" y="5772941"/>
             <a:ext cx="2108513" cy="1267769"/>
             <a:chOff x="3652416" y="3953712"/>
             <a:chExt cx="2108513" cy="1267769"/>
@@ -6508,7 +6542,7 @@
         </p:nvCxnSpPr>
         <p:spPr>
           <a:xfrm>
-            <a:off x="1460957" y="3308643"/>
+            <a:off x="1460957" y="5616733"/>
             <a:ext cx="1451729" cy="0"/>
           </a:xfrm>
           <a:prstGeom prst="line">
@@ -6543,7 +6577,7 @@
         </p:nvCxnSpPr>
         <p:spPr>
           <a:xfrm>
-            <a:off x="1451431" y="3303881"/>
+            <a:off x="1451431" y="5611971"/>
             <a:ext cx="0" cy="1497362"/>
           </a:xfrm>
           <a:prstGeom prst="line">
@@ -6578,7 +6612,7 @@
         </p:nvSpPr>
         <p:spPr>
           <a:xfrm rot="5400000">
-            <a:off x="947690" y="3818103"/>
+            <a:off x="947690" y="6126193"/>
             <a:ext cx="1234443" cy="219447"/>
           </a:xfrm>
           <a:prstGeom prst="rect">
@@ -6628,7 +6662,7 @@
         </p:nvSpPr>
         <p:spPr>
           <a:xfrm rot="5400000">
-            <a:off x="1157239" y="3818103"/>
+            <a:off x="1157239" y="6126193"/>
             <a:ext cx="1234443" cy="219447"/>
           </a:xfrm>
           <a:prstGeom prst="rect">
@@ -6678,7 +6712,7 @@
         </p:nvSpPr>
         <p:spPr>
           <a:xfrm rot="5400000">
-            <a:off x="1366583" y="3818104"/>
+            <a:off x="1366583" y="6126194"/>
             <a:ext cx="1234443" cy="219447"/>
           </a:xfrm>
           <a:prstGeom prst="rect">
@@ -6728,7 +6762,7 @@
         </p:nvSpPr>
         <p:spPr>
           <a:xfrm rot="5400000">
-            <a:off x="1573366" y="3818104"/>
+            <a:off x="1573366" y="6126194"/>
             <a:ext cx="1234443" cy="219447"/>
           </a:xfrm>
           <a:prstGeom prst="rect">
@@ -6776,7 +6810,7 @@
         </p:nvSpPr>
         <p:spPr>
           <a:xfrm rot="5400000">
-            <a:off x="1766694" y="3818104"/>
+            <a:off x="1766694" y="6126194"/>
             <a:ext cx="1234443" cy="219447"/>
           </a:xfrm>
           <a:prstGeom prst="rect">
@@ -6826,7 +6860,7 @@
         </p:nvSpPr>
         <p:spPr>
           <a:xfrm rot="5400000">
-            <a:off x="1976192" y="3818104"/>
+            <a:off x="1976192" y="6126194"/>
             <a:ext cx="1234442" cy="219447"/>
           </a:xfrm>
           <a:prstGeom prst="rect">
@@ -6876,7 +6910,7 @@
         </p:nvCxnSpPr>
         <p:spPr>
           <a:xfrm>
-            <a:off x="1446812" y="3561056"/>
+            <a:off x="1446812" y="5869146"/>
             <a:ext cx="1465874" cy="0"/>
           </a:xfrm>
           <a:prstGeom prst="line">
@@ -6911,7 +6945,7 @@
         </p:nvCxnSpPr>
         <p:spPr>
           <a:xfrm>
-            <a:off x="1467646" y="3811100"/>
+            <a:off x="1467646" y="6119190"/>
             <a:ext cx="1445040" cy="0"/>
           </a:xfrm>
           <a:prstGeom prst="line">
@@ -6946,7 +6980,7 @@
         </p:nvCxnSpPr>
         <p:spPr>
           <a:xfrm>
-            <a:off x="1455188" y="4047608"/>
+            <a:off x="1455188" y="6355698"/>
             <a:ext cx="1457498" cy="0"/>
           </a:xfrm>
           <a:prstGeom prst="line">
@@ -6981,7 +7015,7 @@
         </p:nvCxnSpPr>
         <p:spPr>
           <a:xfrm>
-            <a:off x="1446812" y="4292314"/>
+            <a:off x="1446812" y="6600404"/>
             <a:ext cx="1451729" cy="0"/>
           </a:xfrm>
           <a:prstGeom prst="line">
@@ -7016,7 +7050,7 @@
         </p:nvSpPr>
         <p:spPr>
           <a:xfrm>
-            <a:off x="1665162" y="4556646"/>
+            <a:off x="1665162" y="6864736"/>
             <a:ext cx="209497" cy="249360"/>
           </a:xfrm>
           <a:prstGeom prst="rect">
@@ -7064,7 +7098,7 @@
         </p:nvSpPr>
         <p:spPr>
           <a:xfrm>
-            <a:off x="1870025" y="4556646"/>
+            <a:off x="1870025" y="6864736"/>
             <a:ext cx="209497" cy="249360"/>
           </a:xfrm>
           <a:prstGeom prst="rect">
@@ -7112,7 +7146,7 @@
         </p:nvCxnSpPr>
         <p:spPr>
           <a:xfrm>
-            <a:off x="1661071" y="4545046"/>
+            <a:off x="1661071" y="6853136"/>
             <a:ext cx="0" cy="256197"/>
           </a:xfrm>
           <a:prstGeom prst="line">
@@ -7147,7 +7181,7 @@
         </p:nvCxnSpPr>
         <p:spPr>
           <a:xfrm>
-            <a:off x="1870025" y="4545046"/>
+            <a:off x="1870025" y="6853136"/>
             <a:ext cx="0" cy="256197"/>
           </a:xfrm>
           <a:prstGeom prst="line">
@@ -7182,7 +7216,7 @@
         </p:nvCxnSpPr>
         <p:spPr>
           <a:xfrm>
-            <a:off x="2082820" y="4544221"/>
+            <a:off x="2082820" y="6852311"/>
             <a:ext cx="0" cy="256197"/>
           </a:xfrm>
           <a:prstGeom prst="line">
@@ -7217,7 +7251,7 @@
         </p:nvCxnSpPr>
         <p:spPr>
           <a:xfrm>
-            <a:off x="2274192" y="4550884"/>
+            <a:off x="2274192" y="6858974"/>
             <a:ext cx="0" cy="256197"/>
           </a:xfrm>
           <a:prstGeom prst="line">
@@ -7252,7 +7286,7 @@
         </p:nvCxnSpPr>
         <p:spPr>
           <a:xfrm>
-            <a:off x="2482224" y="4551409"/>
+            <a:off x="2482224" y="6859499"/>
             <a:ext cx="0" cy="256197"/>
           </a:xfrm>
           <a:prstGeom prst="line">
@@ -7287,7 +7321,7 @@
         </p:nvCxnSpPr>
         <p:spPr>
           <a:xfrm>
-            <a:off x="2703137" y="4548984"/>
+            <a:off x="2703137" y="6857074"/>
             <a:ext cx="0" cy="256197"/>
           </a:xfrm>
           <a:prstGeom prst="line">
@@ -7322,7 +7356,7 @@
         </p:nvCxnSpPr>
         <p:spPr>
           <a:xfrm>
-            <a:off x="2703137" y="4546121"/>
+            <a:off x="2703137" y="6854211"/>
             <a:ext cx="209549" cy="0"/>
           </a:xfrm>
           <a:prstGeom prst="line">
@@ -7357,7 +7391,7 @@
         </p:nvSpPr>
         <p:spPr>
           <a:xfrm>
-            <a:off x="1756949" y="4745694"/>
+            <a:off x="1756949" y="7053784"/>
             <a:ext cx="871936" cy="307777"/>
           </a:xfrm>
           <a:prstGeom prst="rect">
@@ -7393,7 +7427,7 @@
         </p:nvSpPr>
         <p:spPr>
           <a:xfrm>
-            <a:off x="3078605" y="3962766"/>
+            <a:off x="3078605" y="6270856"/>
             <a:ext cx="435006" cy="241355"/>
           </a:xfrm>
           <a:prstGeom prst="rightArrow">
@@ -7441,7 +7475,7 @@
         </p:nvSpPr>
         <p:spPr>
           <a:xfrm flipH="1">
-            <a:off x="1425743" y="3054735"/>
+            <a:off x="1425743" y="5362825"/>
             <a:ext cx="349998" cy="307777"/>
           </a:xfrm>
           <a:prstGeom prst="rect">
@@ -7477,7 +7511,7 @@
         </p:nvSpPr>
         <p:spPr>
           <a:xfrm flipH="1">
-            <a:off x="2034951" y="3052597"/>
+            <a:off x="2034951" y="5360687"/>
             <a:ext cx="349998" cy="307777"/>
           </a:xfrm>
           <a:prstGeom prst="rect">
@@ -7513,7 +7547,7 @@
         </p:nvSpPr>
         <p:spPr>
           <a:xfrm flipH="1">
-            <a:off x="1635181" y="3052634"/>
+            <a:off x="1635181" y="5360724"/>
             <a:ext cx="349998" cy="307777"/>
           </a:xfrm>
           <a:prstGeom prst="rect">
@@ -7549,7 +7583,7 @@
         </p:nvSpPr>
         <p:spPr>
           <a:xfrm rot="18900000">
-            <a:off x="3443970" y="3094558"/>
+            <a:off x="3443970" y="5379807"/>
             <a:ext cx="502061" cy="307777"/>
           </a:xfrm>
           <a:prstGeom prst="rect">
